--- a/Deep Learning.pptx
+++ b/Deep Learning.pptx
@@ -6398,6 +6398,14 @@
             </a:r>
             <a:r>
               <a:rPr lang="en-US" dirty="0" err="1"/>
+              <a:t>Tensorflow</a:t>
+            </a:r>
+            <a:r>
+              <a:rPr lang="en-US"/>
+              <a:t>, </a:t>
+            </a:r>
+            <a:r>
+              <a:rPr lang="en-US" dirty="0" err="1"/>
               <a:t>Keras</a:t>
             </a:r>
             <a:r>
